--- a/Refresher-Oct192025/Robot.pptx
+++ b/Refresher-Oct192025/Robot.pptx
@@ -6,13 +6,14 @@
   </p:sldMasterIdLst>
   <p:sldIdLst>
     <p:sldId id="258" r:id="rId2"/>
-    <p:sldId id="260" r:id="rId3"/>
-    <p:sldId id="262" r:id="rId4"/>
-    <p:sldId id="257" r:id="rId5"/>
-    <p:sldId id="263" r:id="rId6"/>
-    <p:sldId id="264" r:id="rId7"/>
-    <p:sldId id="265" r:id="rId8"/>
-    <p:sldId id="266" r:id="rId9"/>
+    <p:sldId id="267" r:id="rId3"/>
+    <p:sldId id="260" r:id="rId4"/>
+    <p:sldId id="262" r:id="rId5"/>
+    <p:sldId id="257" r:id="rId6"/>
+    <p:sldId id="263" r:id="rId7"/>
+    <p:sldId id="264" r:id="rId8"/>
+    <p:sldId id="265" r:id="rId9"/>
+    <p:sldId id="266" r:id="rId10"/>
   </p:sldIdLst>
   <p:sldSz cx="12192000" cy="6858000"/>
   <p:notesSz cx="7004050" cy="9290050"/>
@@ -4049,6 +4050,1201 @@
   <p:cSld>
     <p:spTree>
       <p:nvGrpSpPr>
+        <p:cNvPr id="1" name="">
+          <a:extLst>
+            <a:ext uri="{FF2B5EF4-FFF2-40B4-BE49-F238E27FC236}">
+              <a16:creationId xmlns:a16="http://schemas.microsoft.com/office/drawing/2014/main" id="{E741F953-ED96-9585-D737-0FBFB5766A13}"/>
+            </a:ext>
+          </a:extLst>
+        </p:cNvPr>
+        <p:cNvGrpSpPr/>
+        <p:nvPr/>
+      </p:nvGrpSpPr>
+      <p:grpSpPr>
+        <a:xfrm>
+          <a:off x="0" y="0"/>
+          <a:ext cx="0" cy="0"/>
+          <a:chOff x="0" y="0"/>
+          <a:chExt cx="0" cy="0"/>
+        </a:xfrm>
+      </p:grpSpPr>
+      <p:sp>
+        <p:nvSpPr>
+          <p:cNvPr id="31" name="TextBox 30">
+            <a:extLst>
+              <a:ext uri="{FF2B5EF4-FFF2-40B4-BE49-F238E27FC236}">
+                <a16:creationId xmlns:a16="http://schemas.microsoft.com/office/drawing/2014/main" id="{5959D308-5011-8ED7-63E0-C0248D23841F}"/>
+              </a:ext>
+            </a:extLst>
+          </p:cNvPr>
+          <p:cNvSpPr txBox="1"/>
+          <p:nvPr/>
+        </p:nvSpPr>
+        <p:spPr>
+          <a:xfrm>
+            <a:off x="886779" y="166148"/>
+            <a:ext cx="2229136" cy="646331"/>
+          </a:xfrm>
+          <a:prstGeom prst="rect">
+            <a:avLst/>
+          </a:prstGeom>
+          <a:noFill/>
+        </p:spPr>
+        <p:txBody>
+          <a:bodyPr wrap="none" rtlCol="0">
+            <a:spAutoFit/>
+          </a:bodyPr>
+          <a:lstStyle/>
+          <a:p>
+            <a:r>
+              <a:rPr lang="en-US" b="1" dirty="0"/>
+              <a:t>OBSTACLE AVOIDING </a:t>
+            </a:r>
+          </a:p>
+          <a:p>
+            <a:r>
+              <a:rPr lang="en-US" b="1" dirty="0"/>
+              <a:t>ROBOTIC CAR</a:t>
+            </a:r>
+            <a:endParaRPr lang="en-SG" b="1" dirty="0"/>
+          </a:p>
+        </p:txBody>
+      </p:sp>
+      <p:cxnSp>
+        <p:nvCxnSpPr>
+          <p:cNvPr id="13" name="Straight Connector 12">
+            <a:extLst>
+              <a:ext uri="{FF2B5EF4-FFF2-40B4-BE49-F238E27FC236}">
+                <a16:creationId xmlns:a16="http://schemas.microsoft.com/office/drawing/2014/main" id="{0CB601D7-165D-7CB1-60E3-452D791944AD}"/>
+              </a:ext>
+            </a:extLst>
+          </p:cNvPr>
+          <p:cNvCxnSpPr>
+            <a:cxnSpLocks/>
+          </p:cNvCxnSpPr>
+          <p:nvPr/>
+        </p:nvCxnSpPr>
+        <p:spPr>
+          <a:xfrm>
+            <a:off x="3916212" y="3027396"/>
+            <a:ext cx="0" cy="763267"/>
+          </a:xfrm>
+          <a:prstGeom prst="line">
+            <a:avLst/>
+          </a:prstGeom>
+          <a:ln w="53975">
+            <a:solidFill>
+              <a:schemeClr val="tx1"/>
+            </a:solidFill>
+          </a:ln>
+        </p:spPr>
+        <p:style>
+          <a:lnRef idx="1">
+            <a:schemeClr val="accent1"/>
+          </a:lnRef>
+          <a:fillRef idx="0">
+            <a:schemeClr val="accent1"/>
+          </a:fillRef>
+          <a:effectRef idx="0">
+            <a:schemeClr val="accent1"/>
+          </a:effectRef>
+          <a:fontRef idx="minor">
+            <a:schemeClr val="tx1"/>
+          </a:fontRef>
+        </p:style>
+      </p:cxnSp>
+      <p:cxnSp>
+        <p:nvCxnSpPr>
+          <p:cNvPr id="14" name="Straight Connector 13">
+            <a:extLst>
+              <a:ext uri="{FF2B5EF4-FFF2-40B4-BE49-F238E27FC236}">
+                <a16:creationId xmlns:a16="http://schemas.microsoft.com/office/drawing/2014/main" id="{92B37776-8A0E-8C69-B961-7B07DFADF3DF}"/>
+              </a:ext>
+            </a:extLst>
+          </p:cNvPr>
+          <p:cNvCxnSpPr>
+            <a:cxnSpLocks/>
+          </p:cNvCxnSpPr>
+          <p:nvPr/>
+        </p:nvCxnSpPr>
+        <p:spPr>
+          <a:xfrm>
+            <a:off x="3906595" y="3779898"/>
+            <a:ext cx="1089421" cy="0"/>
+          </a:xfrm>
+          <a:prstGeom prst="line">
+            <a:avLst/>
+          </a:prstGeom>
+          <a:ln w="53975">
+            <a:solidFill>
+              <a:schemeClr val="tx1"/>
+            </a:solidFill>
+          </a:ln>
+        </p:spPr>
+        <p:style>
+          <a:lnRef idx="1">
+            <a:schemeClr val="accent1"/>
+          </a:lnRef>
+          <a:fillRef idx="0">
+            <a:schemeClr val="accent1"/>
+          </a:fillRef>
+          <a:effectRef idx="0">
+            <a:schemeClr val="accent1"/>
+          </a:effectRef>
+          <a:fontRef idx="minor">
+            <a:schemeClr val="tx1"/>
+          </a:fontRef>
+        </p:style>
+      </p:cxnSp>
+      <p:cxnSp>
+        <p:nvCxnSpPr>
+          <p:cNvPr id="19" name="Straight Connector 18">
+            <a:extLst>
+              <a:ext uri="{FF2B5EF4-FFF2-40B4-BE49-F238E27FC236}">
+                <a16:creationId xmlns:a16="http://schemas.microsoft.com/office/drawing/2014/main" id="{00115451-1511-5DDD-DDE9-29B2A8F8EAEA}"/>
+              </a:ext>
+            </a:extLst>
+          </p:cNvPr>
+          <p:cNvCxnSpPr>
+            <a:cxnSpLocks/>
+          </p:cNvCxnSpPr>
+          <p:nvPr/>
+        </p:nvCxnSpPr>
+        <p:spPr>
+          <a:xfrm>
+            <a:off x="5005069" y="3156921"/>
+            <a:ext cx="0" cy="606582"/>
+          </a:xfrm>
+          <a:prstGeom prst="line">
+            <a:avLst/>
+          </a:prstGeom>
+          <a:ln w="53975">
+            <a:solidFill>
+              <a:schemeClr val="tx1"/>
+            </a:solidFill>
+          </a:ln>
+        </p:spPr>
+        <p:style>
+          <a:lnRef idx="1">
+            <a:schemeClr val="accent1"/>
+          </a:lnRef>
+          <a:fillRef idx="0">
+            <a:schemeClr val="accent1"/>
+          </a:fillRef>
+          <a:effectRef idx="0">
+            <a:schemeClr val="accent1"/>
+          </a:effectRef>
+          <a:fontRef idx="minor">
+            <a:schemeClr val="tx1"/>
+          </a:fontRef>
+        </p:style>
+      </p:cxnSp>
+      <p:cxnSp>
+        <p:nvCxnSpPr>
+          <p:cNvPr id="21" name="Straight Connector 20">
+            <a:extLst>
+              <a:ext uri="{FF2B5EF4-FFF2-40B4-BE49-F238E27FC236}">
+                <a16:creationId xmlns:a16="http://schemas.microsoft.com/office/drawing/2014/main" id="{388BBE30-E010-73E8-8244-3FFE92E9F8B9}"/>
+              </a:ext>
+            </a:extLst>
+          </p:cNvPr>
+          <p:cNvCxnSpPr>
+            <a:cxnSpLocks/>
+          </p:cNvCxnSpPr>
+          <p:nvPr/>
+        </p:nvCxnSpPr>
+        <p:spPr>
+          <a:xfrm>
+            <a:off x="4201485" y="2816322"/>
+            <a:ext cx="0" cy="763267"/>
+          </a:xfrm>
+          <a:prstGeom prst="line">
+            <a:avLst/>
+          </a:prstGeom>
+          <a:ln w="53975">
+            <a:solidFill>
+              <a:srgbClr val="FF0000"/>
+            </a:solidFill>
+          </a:ln>
+        </p:spPr>
+        <p:style>
+          <a:lnRef idx="1">
+            <a:schemeClr val="accent1"/>
+          </a:lnRef>
+          <a:fillRef idx="0">
+            <a:schemeClr val="accent1"/>
+          </a:fillRef>
+          <a:effectRef idx="0">
+            <a:schemeClr val="accent1"/>
+          </a:effectRef>
+          <a:fontRef idx="minor">
+            <a:schemeClr val="tx1"/>
+          </a:fontRef>
+        </p:style>
+      </p:cxnSp>
+      <p:cxnSp>
+        <p:nvCxnSpPr>
+          <p:cNvPr id="22" name="Straight Connector 21">
+            <a:extLst>
+              <a:ext uri="{FF2B5EF4-FFF2-40B4-BE49-F238E27FC236}">
+                <a16:creationId xmlns:a16="http://schemas.microsoft.com/office/drawing/2014/main" id="{63081649-44F2-ED15-6874-6C95C5DE5F05}"/>
+              </a:ext>
+            </a:extLst>
+          </p:cNvPr>
+          <p:cNvCxnSpPr>
+            <a:cxnSpLocks/>
+          </p:cNvCxnSpPr>
+          <p:nvPr/>
+        </p:nvCxnSpPr>
+        <p:spPr>
+          <a:xfrm>
+            <a:off x="4776846" y="3110566"/>
+            <a:ext cx="0" cy="458258"/>
+          </a:xfrm>
+          <a:prstGeom prst="line">
+            <a:avLst/>
+          </a:prstGeom>
+          <a:ln w="53975">
+            <a:solidFill>
+              <a:srgbClr val="FF0000"/>
+            </a:solidFill>
+          </a:ln>
+        </p:spPr>
+        <p:style>
+          <a:lnRef idx="1">
+            <a:schemeClr val="accent1"/>
+          </a:lnRef>
+          <a:fillRef idx="0">
+            <a:schemeClr val="accent1"/>
+          </a:fillRef>
+          <a:effectRef idx="0">
+            <a:schemeClr val="accent1"/>
+          </a:effectRef>
+          <a:fontRef idx="minor">
+            <a:schemeClr val="tx1"/>
+          </a:fontRef>
+        </p:style>
+      </p:cxnSp>
+      <p:cxnSp>
+        <p:nvCxnSpPr>
+          <p:cNvPr id="24" name="Straight Connector 23">
+            <a:extLst>
+              <a:ext uri="{FF2B5EF4-FFF2-40B4-BE49-F238E27FC236}">
+                <a16:creationId xmlns:a16="http://schemas.microsoft.com/office/drawing/2014/main" id="{0A460B0C-91B7-76F8-3E35-615CDC7C3F68}"/>
+              </a:ext>
+            </a:extLst>
+          </p:cNvPr>
+          <p:cNvCxnSpPr>
+            <a:cxnSpLocks/>
+          </p:cNvCxnSpPr>
+          <p:nvPr/>
+        </p:nvCxnSpPr>
+        <p:spPr>
+          <a:xfrm flipH="1" flipV="1">
+            <a:off x="4163023" y="3568824"/>
+            <a:ext cx="613824" cy="10765"/>
+          </a:xfrm>
+          <a:prstGeom prst="line">
+            <a:avLst/>
+          </a:prstGeom>
+          <a:ln w="53975">
+            <a:solidFill>
+              <a:srgbClr val="FF0000"/>
+            </a:solidFill>
+          </a:ln>
+        </p:spPr>
+        <p:style>
+          <a:lnRef idx="1">
+            <a:schemeClr val="accent1"/>
+          </a:lnRef>
+          <a:fillRef idx="0">
+            <a:schemeClr val="accent1"/>
+          </a:fillRef>
+          <a:effectRef idx="0">
+            <a:schemeClr val="accent1"/>
+          </a:effectRef>
+          <a:fontRef idx="minor">
+            <a:schemeClr val="tx1"/>
+          </a:fontRef>
+        </p:style>
+      </p:cxnSp>
+      <p:cxnSp>
+        <p:nvCxnSpPr>
+          <p:cNvPr id="27" name="Straight Connector 26">
+            <a:extLst>
+              <a:ext uri="{FF2B5EF4-FFF2-40B4-BE49-F238E27FC236}">
+                <a16:creationId xmlns:a16="http://schemas.microsoft.com/office/drawing/2014/main" id="{3D7FB3F9-D736-D210-E605-8C923302C305}"/>
+              </a:ext>
+            </a:extLst>
+          </p:cNvPr>
+          <p:cNvCxnSpPr>
+            <a:cxnSpLocks/>
+          </p:cNvCxnSpPr>
+          <p:nvPr/>
+        </p:nvCxnSpPr>
+        <p:spPr>
+          <a:xfrm flipH="1">
+            <a:off x="3836077" y="2813201"/>
+            <a:ext cx="383039" cy="2083"/>
+          </a:xfrm>
+          <a:prstGeom prst="line">
+            <a:avLst/>
+          </a:prstGeom>
+          <a:ln w="53975">
+            <a:solidFill>
+              <a:srgbClr val="FF0000"/>
+            </a:solidFill>
+          </a:ln>
+        </p:spPr>
+        <p:style>
+          <a:lnRef idx="1">
+            <a:schemeClr val="accent1"/>
+          </a:lnRef>
+          <a:fillRef idx="0">
+            <a:schemeClr val="accent1"/>
+          </a:fillRef>
+          <a:effectRef idx="0">
+            <a:schemeClr val="accent1"/>
+          </a:effectRef>
+          <a:fontRef idx="minor">
+            <a:schemeClr val="tx1"/>
+          </a:fontRef>
+        </p:style>
+      </p:cxnSp>
+      <p:grpSp>
+        <p:nvGrpSpPr>
+          <p:cNvPr id="7" name="Group 6">
+            <a:extLst>
+              <a:ext uri="{FF2B5EF4-FFF2-40B4-BE49-F238E27FC236}">
+                <a16:creationId xmlns:a16="http://schemas.microsoft.com/office/drawing/2014/main" id="{7B07B28E-3D4C-1A53-46CD-81BA18A88703}"/>
+              </a:ext>
+            </a:extLst>
+          </p:cNvPr>
+          <p:cNvGrpSpPr/>
+          <p:nvPr/>
+        </p:nvGrpSpPr>
+        <p:grpSpPr>
+          <a:xfrm>
+            <a:off x="5144653" y="353347"/>
+            <a:ext cx="2116550" cy="459132"/>
+            <a:chOff x="8146045" y="2969867"/>
+            <a:chExt cx="2116550" cy="459132"/>
+          </a:xfrm>
+        </p:grpSpPr>
+        <p:pic>
+          <p:nvPicPr>
+            <p:cNvPr id="8" name="Picture 7">
+              <a:extLst>
+                <a:ext uri="{FF2B5EF4-FFF2-40B4-BE49-F238E27FC236}">
+                  <a16:creationId xmlns:a16="http://schemas.microsoft.com/office/drawing/2014/main" id="{93856F4D-8354-144C-1365-0473131EBB58}"/>
+                </a:ext>
+              </a:extLst>
+            </p:cNvPr>
+            <p:cNvPicPr>
+              <a:picLocks noChangeAspect="1"/>
+            </p:cNvPicPr>
+            <p:nvPr/>
+          </p:nvPicPr>
+          <p:blipFill>
+            <a:blip r:embed="rId2"/>
+            <a:stretch>
+              <a:fillRect/>
+            </a:stretch>
+          </p:blipFill>
+          <p:spPr>
+            <a:xfrm>
+              <a:off x="8146045" y="3268337"/>
+              <a:ext cx="1904987" cy="160662"/>
+            </a:xfrm>
+            <a:prstGeom prst="rect">
+              <a:avLst/>
+            </a:prstGeom>
+          </p:spPr>
+        </p:pic>
+        <p:sp>
+          <p:nvSpPr>
+            <p:cNvPr id="9" name="TextBox 8">
+              <a:extLst>
+                <a:ext uri="{FF2B5EF4-FFF2-40B4-BE49-F238E27FC236}">
+                  <a16:creationId xmlns:a16="http://schemas.microsoft.com/office/drawing/2014/main" id="{79B820A2-0250-4A32-085C-856DCA7D660E}"/>
+                </a:ext>
+              </a:extLst>
+            </p:cNvPr>
+            <p:cNvSpPr txBox="1"/>
+            <p:nvPr/>
+          </p:nvSpPr>
+          <p:spPr>
+            <a:xfrm>
+              <a:off x="8146045" y="2969867"/>
+              <a:ext cx="2116550" cy="307777"/>
+            </a:xfrm>
+            <a:prstGeom prst="rect">
+              <a:avLst/>
+            </a:prstGeom>
+            <a:solidFill>
+              <a:schemeClr val="tx1"/>
+            </a:solidFill>
+          </p:spPr>
+          <p:txBody>
+            <a:bodyPr wrap="square" rtlCol="0">
+              <a:spAutoFit/>
+            </a:bodyPr>
+            <a:lstStyle/>
+            <a:p>
+              <a:r>
+                <a:rPr lang="en-US" sz="1400" b="1" dirty="0">
+                  <a:solidFill>
+                    <a:srgbClr val="FF0000"/>
+                  </a:solidFill>
+                </a:rPr>
+                <a:t>15    </a:t>
+              </a:r>
+              <a:r>
+                <a:rPr lang="en-US" sz="1400" b="1" dirty="0">
+                  <a:solidFill>
+                    <a:srgbClr val="92D050"/>
+                  </a:solidFill>
+                </a:rPr>
+                <a:t>14</a:t>
+              </a:r>
+              <a:r>
+                <a:rPr lang="en-US" sz="1400" b="1" dirty="0">
+                  <a:solidFill>
+                    <a:srgbClr val="FF0000"/>
+                  </a:solidFill>
+                </a:rPr>
+                <a:t>    </a:t>
+              </a:r>
+              <a:r>
+                <a:rPr lang="en-US" sz="1400" b="1" dirty="0">
+                  <a:solidFill>
+                    <a:schemeClr val="accent1">
+                      <a:lumMod val="20000"/>
+                      <a:lumOff val="80000"/>
+                    </a:schemeClr>
+                  </a:solidFill>
+                </a:rPr>
+                <a:t>13</a:t>
+              </a:r>
+              <a:r>
+                <a:rPr lang="en-US" sz="1400" b="1" dirty="0">
+                  <a:solidFill>
+                    <a:srgbClr val="FF0000"/>
+                  </a:solidFill>
+                </a:rPr>
+                <a:t>   </a:t>
+              </a:r>
+              <a:r>
+                <a:rPr lang="en-US" sz="1400" b="1" dirty="0">
+                  <a:solidFill>
+                    <a:srgbClr val="FFC000"/>
+                  </a:solidFill>
+                </a:rPr>
+                <a:t>12</a:t>
+              </a:r>
+              <a:r>
+                <a:rPr lang="en-US" sz="1400" b="1" dirty="0">
+                  <a:solidFill>
+                    <a:srgbClr val="FF0000"/>
+                  </a:solidFill>
+                </a:rPr>
+                <a:t>   </a:t>
+              </a:r>
+              <a:r>
+                <a:rPr lang="en-US" sz="1400" b="1" dirty="0">
+                  <a:solidFill>
+                    <a:srgbClr val="C00000"/>
+                  </a:solidFill>
+                </a:rPr>
+                <a:t>11 </a:t>
+              </a:r>
+              <a:r>
+                <a:rPr lang="en-US" sz="1400" b="1" dirty="0">
+                  <a:solidFill>
+                    <a:srgbClr val="FF0000"/>
+                  </a:solidFill>
+                </a:rPr>
+                <a:t>  </a:t>
+              </a:r>
+              <a:r>
+                <a:rPr lang="en-US" sz="1400" b="1" dirty="0">
+                  <a:solidFill>
+                    <a:srgbClr val="0070C0"/>
+                  </a:solidFill>
+                </a:rPr>
+                <a:t>10</a:t>
+              </a:r>
+              <a:endParaRPr lang="en-SG" sz="1400" b="1" dirty="0">
+                <a:solidFill>
+                  <a:srgbClr val="0070C0"/>
+                </a:solidFill>
+              </a:endParaRPr>
+            </a:p>
+          </p:txBody>
+        </p:sp>
+      </p:grpSp>
+      <p:grpSp>
+        <p:nvGrpSpPr>
+          <p:cNvPr id="12" name="Group 11">
+            <a:extLst>
+              <a:ext uri="{FF2B5EF4-FFF2-40B4-BE49-F238E27FC236}">
+                <a16:creationId xmlns:a16="http://schemas.microsoft.com/office/drawing/2014/main" id="{E66D0121-0AB3-A78B-F055-A4470CB629F4}"/>
+              </a:ext>
+            </a:extLst>
+          </p:cNvPr>
+          <p:cNvGrpSpPr/>
+          <p:nvPr/>
+        </p:nvGrpSpPr>
+        <p:grpSpPr>
+          <a:xfrm>
+            <a:off x="0" y="812479"/>
+            <a:ext cx="12192000" cy="6350321"/>
+            <a:chOff x="0" y="812479"/>
+            <a:chExt cx="12192000" cy="6350321"/>
+          </a:xfrm>
+        </p:grpSpPr>
+        <p:grpSp>
+          <p:nvGrpSpPr>
+            <p:cNvPr id="89" name="Group 88">
+              <a:extLst>
+                <a:ext uri="{FF2B5EF4-FFF2-40B4-BE49-F238E27FC236}">
+                  <a16:creationId xmlns:a16="http://schemas.microsoft.com/office/drawing/2014/main" id="{EA0A2AFB-96E4-30AA-5CC2-F01EF1542961}"/>
+                </a:ext>
+              </a:extLst>
+            </p:cNvPr>
+            <p:cNvGrpSpPr/>
+            <p:nvPr/>
+          </p:nvGrpSpPr>
+          <p:grpSpPr>
+            <a:xfrm>
+              <a:off x="0" y="812479"/>
+              <a:ext cx="12192000" cy="6350321"/>
+              <a:chOff x="0" y="812479"/>
+              <a:chExt cx="12192000" cy="6350321"/>
+            </a:xfrm>
+          </p:grpSpPr>
+          <p:grpSp>
+            <p:nvGrpSpPr>
+              <p:cNvPr id="68" name="Group 67">
+                <a:extLst>
+                  <a:ext uri="{FF2B5EF4-FFF2-40B4-BE49-F238E27FC236}">
+                    <a16:creationId xmlns:a16="http://schemas.microsoft.com/office/drawing/2014/main" id="{B9328093-D1C7-627E-E3CA-7CDE13934ECD}"/>
+                  </a:ext>
+                </a:extLst>
+              </p:cNvPr>
+              <p:cNvGrpSpPr/>
+              <p:nvPr/>
+            </p:nvGrpSpPr>
+            <p:grpSpPr>
+              <a:xfrm>
+                <a:off x="0" y="812479"/>
+                <a:ext cx="12192000" cy="6350321"/>
+                <a:chOff x="0" y="812479"/>
+                <a:chExt cx="12192000" cy="6350321"/>
+              </a:xfrm>
+            </p:grpSpPr>
+            <p:grpSp>
+              <p:nvGrpSpPr>
+                <p:cNvPr id="66" name="Group 65">
+                  <a:extLst>
+                    <a:ext uri="{FF2B5EF4-FFF2-40B4-BE49-F238E27FC236}">
+                      <a16:creationId xmlns:a16="http://schemas.microsoft.com/office/drawing/2014/main" id="{A5E631FA-843A-4E89-7E61-2BCEB832E4D6}"/>
+                    </a:ext>
+                  </a:extLst>
+                </p:cNvPr>
+                <p:cNvGrpSpPr/>
+                <p:nvPr/>
+              </p:nvGrpSpPr>
+              <p:grpSpPr>
+                <a:xfrm>
+                  <a:off x="0" y="812479"/>
+                  <a:ext cx="12192000" cy="6350321"/>
+                  <a:chOff x="0" y="812479"/>
+                  <a:chExt cx="12192000" cy="6350321"/>
+                </a:xfrm>
+              </p:grpSpPr>
+              <p:grpSp>
+                <p:nvGrpSpPr>
+                  <p:cNvPr id="63" name="Group 62">
+                    <a:extLst>
+                      <a:ext uri="{FF2B5EF4-FFF2-40B4-BE49-F238E27FC236}">
+                        <a16:creationId xmlns:a16="http://schemas.microsoft.com/office/drawing/2014/main" id="{91F14EF2-2966-8ABE-D8F1-B9C83CC499B0}"/>
+                      </a:ext>
+                    </a:extLst>
+                  </p:cNvPr>
+                  <p:cNvGrpSpPr/>
+                  <p:nvPr/>
+                </p:nvGrpSpPr>
+                <p:grpSpPr>
+                  <a:xfrm>
+                    <a:off x="0" y="812479"/>
+                    <a:ext cx="12192000" cy="6350321"/>
+                    <a:chOff x="0" y="812479"/>
+                    <a:chExt cx="12192000" cy="6350321"/>
+                  </a:xfrm>
+                </p:grpSpPr>
+                <p:pic>
+                  <p:nvPicPr>
+                    <p:cNvPr id="10" name="Picture 9">
+                      <a:extLst>
+                        <a:ext uri="{FF2B5EF4-FFF2-40B4-BE49-F238E27FC236}">
+                          <a16:creationId xmlns:a16="http://schemas.microsoft.com/office/drawing/2014/main" id="{9882E104-BD88-8F83-2587-D58F775C7F38}"/>
+                        </a:ext>
+                      </a:extLst>
+                    </p:cNvPr>
+                    <p:cNvPicPr>
+                      <a:picLocks noChangeAspect="1"/>
+                    </p:cNvPicPr>
+                    <p:nvPr/>
+                  </p:nvPicPr>
+                  <p:blipFill>
+                    <a:blip r:embed="rId3"/>
+                    <a:stretch>
+                      <a:fillRect/>
+                    </a:stretch>
+                  </p:blipFill>
+                  <p:spPr>
+                    <a:xfrm>
+                      <a:off x="0" y="812479"/>
+                      <a:ext cx="12192000" cy="6350321"/>
+                    </a:xfrm>
+                    <a:prstGeom prst="rect">
+                      <a:avLst/>
+                    </a:prstGeom>
+                  </p:spPr>
+                </p:pic>
+                <p:sp>
+                  <p:nvSpPr>
+                    <p:cNvPr id="61" name="TextBox 60">
+                      <a:extLst>
+                        <a:ext uri="{FF2B5EF4-FFF2-40B4-BE49-F238E27FC236}">
+                          <a16:creationId xmlns:a16="http://schemas.microsoft.com/office/drawing/2014/main" id="{ED68850A-4596-CA7A-A18F-9757F163B6A3}"/>
+                        </a:ext>
+                      </a:extLst>
+                    </p:cNvPr>
+                    <p:cNvSpPr txBox="1"/>
+                    <p:nvPr/>
+                  </p:nvSpPr>
+                  <p:spPr>
+                    <a:xfrm>
+                      <a:off x="2001347" y="5891632"/>
+                      <a:ext cx="373820" cy="307777"/>
+                    </a:xfrm>
+                    <a:prstGeom prst="rect">
+                      <a:avLst/>
+                    </a:prstGeom>
+                    <a:solidFill>
+                      <a:srgbClr val="FFC000"/>
+                    </a:solidFill>
+                  </p:spPr>
+                  <p:txBody>
+                    <a:bodyPr wrap="none" rtlCol="0">
+                      <a:spAutoFit/>
+                    </a:bodyPr>
+                    <a:lstStyle/>
+                    <a:p>
+                      <a:r>
+                        <a:rPr lang="en-US" sz="1400" b="1" dirty="0">
+                          <a:solidFill>
+                            <a:srgbClr val="FF0000"/>
+                          </a:solidFill>
+                        </a:rPr>
+                        <a:t>1K</a:t>
+                      </a:r>
+                      <a:endParaRPr lang="en-SG" sz="1400" b="1" dirty="0">
+                        <a:solidFill>
+                          <a:srgbClr val="FF0000"/>
+                        </a:solidFill>
+                      </a:endParaRPr>
+                    </a:p>
+                  </p:txBody>
+                </p:sp>
+                <p:sp>
+                  <p:nvSpPr>
+                    <p:cNvPr id="62" name="TextBox 61">
+                      <a:extLst>
+                        <a:ext uri="{FF2B5EF4-FFF2-40B4-BE49-F238E27FC236}">
+                          <a16:creationId xmlns:a16="http://schemas.microsoft.com/office/drawing/2014/main" id="{26C63684-67DE-874E-7DBA-9DC13606EB89}"/>
+                        </a:ext>
+                      </a:extLst>
+                    </p:cNvPr>
+                    <p:cNvSpPr txBox="1"/>
+                    <p:nvPr/>
+                  </p:nvSpPr>
+                  <p:spPr>
+                    <a:xfrm>
+                      <a:off x="3035093" y="5659922"/>
+                      <a:ext cx="513282" cy="307777"/>
+                    </a:xfrm>
+                    <a:prstGeom prst="rect">
+                      <a:avLst/>
+                    </a:prstGeom>
+                    <a:solidFill>
+                      <a:srgbClr val="FFC000"/>
+                    </a:solidFill>
+                  </p:spPr>
+                  <p:txBody>
+                    <a:bodyPr wrap="none" rtlCol="0">
+                      <a:spAutoFit/>
+                    </a:bodyPr>
+                    <a:lstStyle/>
+                    <a:p>
+                      <a:r>
+                        <a:rPr lang="en-US" sz="1400" b="1" dirty="0">
+                          <a:solidFill>
+                            <a:srgbClr val="FF0000"/>
+                          </a:solidFill>
+                        </a:rPr>
+                        <a:t>2.2K</a:t>
+                      </a:r>
+                      <a:endParaRPr lang="en-SG" sz="1400" b="1" dirty="0">
+                        <a:solidFill>
+                          <a:srgbClr val="FF0000"/>
+                        </a:solidFill>
+                      </a:endParaRPr>
+                    </a:p>
+                  </p:txBody>
+                </p:sp>
+              </p:grpSp>
+              <p:pic>
+                <p:nvPicPr>
+                  <p:cNvPr id="64" name="Picture 63">
+                    <a:extLst>
+                      <a:ext uri="{FF2B5EF4-FFF2-40B4-BE49-F238E27FC236}">
+                        <a16:creationId xmlns:a16="http://schemas.microsoft.com/office/drawing/2014/main" id="{FDBE445C-C746-C793-D63D-F275E187ABCE}"/>
+                      </a:ext>
+                    </a:extLst>
+                  </p:cNvPr>
+                  <p:cNvPicPr>
+                    <a:picLocks noChangeAspect="1"/>
+                  </p:cNvPicPr>
+                  <p:nvPr/>
+                </p:nvPicPr>
+                <p:blipFill>
+                  <a:blip r:embed="rId4"/>
+                  <a:stretch>
+                    <a:fillRect/>
+                  </a:stretch>
+                </p:blipFill>
+                <p:spPr>
+                  <a:xfrm rot="5400000">
+                    <a:off x="7137233" y="4996175"/>
+                    <a:ext cx="190158" cy="2448000"/>
+                  </a:xfrm>
+                  <a:prstGeom prst="rect">
+                    <a:avLst/>
+                  </a:prstGeom>
+                </p:spPr>
+              </p:pic>
+              <p:pic>
+                <p:nvPicPr>
+                  <p:cNvPr id="65" name="Picture 64">
+                    <a:extLst>
+                      <a:ext uri="{FF2B5EF4-FFF2-40B4-BE49-F238E27FC236}">
+                        <a16:creationId xmlns:a16="http://schemas.microsoft.com/office/drawing/2014/main" id="{B31A8384-CB04-6693-CA05-7B01850156BD}"/>
+                      </a:ext>
+                    </a:extLst>
+                  </p:cNvPr>
+                  <p:cNvPicPr>
+                    <a:picLocks/>
+                  </p:cNvPicPr>
+                  <p:nvPr/>
+                </p:nvPicPr>
+                <p:blipFill>
+                  <a:blip r:embed="rId5"/>
+                  <a:stretch>
+                    <a:fillRect/>
+                  </a:stretch>
+                </p:blipFill>
+                <p:spPr>
+                  <a:xfrm rot="5400000">
+                    <a:off x="7108840" y="3367354"/>
+                    <a:ext cx="176400" cy="2358000"/>
+                  </a:xfrm>
+                  <a:prstGeom prst="rect">
+                    <a:avLst/>
+                  </a:prstGeom>
+                </p:spPr>
+              </p:pic>
+            </p:grpSp>
+            <p:sp>
+              <p:nvSpPr>
+                <p:cNvPr id="67" name="TextBox 66">
+                  <a:extLst>
+                    <a:ext uri="{FF2B5EF4-FFF2-40B4-BE49-F238E27FC236}">
+                      <a16:creationId xmlns:a16="http://schemas.microsoft.com/office/drawing/2014/main" id="{22E5578A-EA9F-B1AB-51EA-F0ACA908C420}"/>
+                    </a:ext>
+                  </a:extLst>
+                </p:cNvPr>
+                <p:cNvSpPr txBox="1"/>
+                <p:nvPr/>
+              </p:nvSpPr>
+              <p:spPr>
+                <a:xfrm>
+                  <a:off x="2171866" y="4583379"/>
+                  <a:ext cx="1044773" cy="646331"/>
+                </a:xfrm>
+                <a:prstGeom prst="rect">
+                  <a:avLst/>
+                </a:prstGeom>
+                <a:solidFill>
+                  <a:srgbClr val="FFC000"/>
+                </a:solidFill>
+              </p:spPr>
+              <p:txBody>
+                <a:bodyPr wrap="none" rtlCol="0">
+                  <a:spAutoFit/>
+                </a:bodyPr>
+                <a:lstStyle/>
+                <a:p>
+                  <a:r>
+                    <a:rPr lang="en-US" b="1" dirty="0">
+                      <a:solidFill>
+                        <a:srgbClr val="0070C0"/>
+                      </a:solidFill>
+                    </a:rPr>
+                    <a:t>VOLTAGE</a:t>
+                  </a:r>
+                </a:p>
+                <a:p>
+                  <a:r>
+                    <a:rPr lang="en-US" b="1" dirty="0">
+                      <a:solidFill>
+                        <a:srgbClr val="0070C0"/>
+                      </a:solidFill>
+                    </a:rPr>
+                    <a:t>DIVIDER</a:t>
+                  </a:r>
+                  <a:endParaRPr lang="en-SG" b="1" dirty="0">
+                    <a:solidFill>
+                      <a:srgbClr val="0070C0"/>
+                    </a:solidFill>
+                  </a:endParaRPr>
+                </a:p>
+              </p:txBody>
+            </p:sp>
+          </p:grpSp>
+          <p:cxnSp>
+            <p:nvCxnSpPr>
+              <p:cNvPr id="69" name="Straight Connector 68">
+                <a:extLst>
+                  <a:ext uri="{FF2B5EF4-FFF2-40B4-BE49-F238E27FC236}">
+                    <a16:creationId xmlns:a16="http://schemas.microsoft.com/office/drawing/2014/main" id="{62239FC1-9D89-824E-AA86-C0644C4F4C3D}"/>
+                  </a:ext>
+                </a:extLst>
+              </p:cNvPr>
+              <p:cNvCxnSpPr>
+                <a:cxnSpLocks/>
+              </p:cNvCxnSpPr>
+              <p:nvPr/>
+            </p:nvCxnSpPr>
+            <p:spPr>
+              <a:xfrm flipH="1">
+                <a:off x="4163023" y="3311263"/>
+                <a:ext cx="613823" cy="0"/>
+              </a:xfrm>
+              <a:prstGeom prst="line">
+                <a:avLst/>
+              </a:prstGeom>
+              <a:ln w="53975">
+                <a:solidFill>
+                  <a:srgbClr val="FF0000"/>
+                </a:solidFill>
+              </a:ln>
+            </p:spPr>
+            <p:style>
+              <a:lnRef idx="1">
+                <a:schemeClr val="accent1"/>
+              </a:lnRef>
+              <a:fillRef idx="0">
+                <a:schemeClr val="accent1"/>
+              </a:fillRef>
+              <a:effectRef idx="0">
+                <a:schemeClr val="accent1"/>
+              </a:effectRef>
+              <a:fontRef idx="minor">
+                <a:schemeClr val="tx1"/>
+              </a:fontRef>
+            </p:style>
+          </p:cxnSp>
+          <p:cxnSp>
+            <p:nvCxnSpPr>
+              <p:cNvPr id="72" name="Straight Connector 71">
+                <a:extLst>
+                  <a:ext uri="{FF2B5EF4-FFF2-40B4-BE49-F238E27FC236}">
+                    <a16:creationId xmlns:a16="http://schemas.microsoft.com/office/drawing/2014/main" id="{6BB82C06-44A5-3B69-5E29-7480330E0BF4}"/>
+                  </a:ext>
+                </a:extLst>
+              </p:cNvPr>
+              <p:cNvCxnSpPr>
+                <a:cxnSpLocks/>
+              </p:cNvCxnSpPr>
+              <p:nvPr/>
+            </p:nvCxnSpPr>
+            <p:spPr>
+              <a:xfrm>
+                <a:off x="3906595" y="2828576"/>
+                <a:ext cx="304931" cy="482687"/>
+              </a:xfrm>
+              <a:prstGeom prst="line">
+                <a:avLst/>
+              </a:prstGeom>
+              <a:ln w="53975">
+                <a:solidFill>
+                  <a:srgbClr val="FF0000"/>
+                </a:solidFill>
+              </a:ln>
+            </p:spPr>
+            <p:style>
+              <a:lnRef idx="1">
+                <a:schemeClr val="accent1"/>
+              </a:lnRef>
+              <a:fillRef idx="0">
+                <a:schemeClr val="accent1"/>
+              </a:fillRef>
+              <a:effectRef idx="0">
+                <a:schemeClr val="accent1"/>
+              </a:effectRef>
+              <a:fontRef idx="minor">
+                <a:schemeClr val="tx1"/>
+              </a:fontRef>
+            </p:style>
+          </p:cxnSp>
+          <p:cxnSp>
+            <p:nvCxnSpPr>
+              <p:cNvPr id="77" name="Straight Connector 76">
+                <a:extLst>
+                  <a:ext uri="{FF2B5EF4-FFF2-40B4-BE49-F238E27FC236}">
+                    <a16:creationId xmlns:a16="http://schemas.microsoft.com/office/drawing/2014/main" id="{365D02E2-B51B-2519-EB78-7E51031693F7}"/>
+                  </a:ext>
+                </a:extLst>
+              </p:cNvPr>
+              <p:cNvCxnSpPr>
+                <a:cxnSpLocks/>
+              </p:cNvCxnSpPr>
+              <p:nvPr/>
+            </p:nvCxnSpPr>
+            <p:spPr>
+              <a:xfrm>
+                <a:off x="4801994" y="3156921"/>
+                <a:ext cx="0" cy="177636"/>
+              </a:xfrm>
+              <a:prstGeom prst="line">
+                <a:avLst/>
+              </a:prstGeom>
+              <a:ln w="53975">
+                <a:solidFill>
+                  <a:srgbClr val="FF0000"/>
+                </a:solidFill>
+              </a:ln>
+            </p:spPr>
+            <p:style>
+              <a:lnRef idx="1">
+                <a:schemeClr val="accent1"/>
+              </a:lnRef>
+              <a:fillRef idx="0">
+                <a:schemeClr val="accent1"/>
+              </a:fillRef>
+              <a:effectRef idx="0">
+                <a:schemeClr val="accent1"/>
+              </a:effectRef>
+              <a:fontRef idx="minor">
+                <a:schemeClr val="tx1"/>
+              </a:fontRef>
+            </p:style>
+          </p:cxnSp>
+          <p:cxnSp>
+            <p:nvCxnSpPr>
+              <p:cNvPr id="79" name="Straight Connector 78">
+                <a:extLst>
+                  <a:ext uri="{FF2B5EF4-FFF2-40B4-BE49-F238E27FC236}">
+                    <a16:creationId xmlns:a16="http://schemas.microsoft.com/office/drawing/2014/main" id="{74957015-FB0E-BED1-FF51-F084A9974ED8}"/>
+                  </a:ext>
+                </a:extLst>
+              </p:cNvPr>
+              <p:cNvCxnSpPr>
+                <a:cxnSpLocks/>
+              </p:cNvCxnSpPr>
+              <p:nvPr/>
+            </p:nvCxnSpPr>
+            <p:spPr>
+              <a:xfrm>
+                <a:off x="4135802" y="3438359"/>
+                <a:ext cx="860214" cy="0"/>
+              </a:xfrm>
+              <a:prstGeom prst="line">
+                <a:avLst/>
+              </a:prstGeom>
+              <a:ln w="53975">
+                <a:solidFill>
+                  <a:schemeClr val="tx1"/>
+                </a:solidFill>
+              </a:ln>
+            </p:spPr>
+            <p:style>
+              <a:lnRef idx="1">
+                <a:schemeClr val="accent1"/>
+              </a:lnRef>
+              <a:fillRef idx="0">
+                <a:schemeClr val="accent1"/>
+              </a:fillRef>
+              <a:effectRef idx="0">
+                <a:schemeClr val="accent1"/>
+              </a:effectRef>
+              <a:fontRef idx="minor">
+                <a:schemeClr val="tx1"/>
+              </a:fontRef>
+            </p:style>
+          </p:cxnSp>
+          <p:cxnSp>
+            <p:nvCxnSpPr>
+              <p:cNvPr id="82" name="Straight Connector 81">
+                <a:extLst>
+                  <a:ext uri="{FF2B5EF4-FFF2-40B4-BE49-F238E27FC236}">
+                    <a16:creationId xmlns:a16="http://schemas.microsoft.com/office/drawing/2014/main" id="{26C58A69-E154-C9FA-0EFB-010A839FF386}"/>
+                  </a:ext>
+                </a:extLst>
+              </p:cNvPr>
+              <p:cNvCxnSpPr>
+                <a:cxnSpLocks/>
+              </p:cNvCxnSpPr>
+              <p:nvPr/>
+            </p:nvCxnSpPr>
+            <p:spPr>
+              <a:xfrm>
+                <a:off x="4975885" y="3185256"/>
+                <a:ext cx="0" cy="262831"/>
+              </a:xfrm>
+              <a:prstGeom prst="line">
+                <a:avLst/>
+              </a:prstGeom>
+              <a:ln w="53975">
+                <a:solidFill>
+                  <a:schemeClr val="tx1"/>
+                </a:solidFill>
+              </a:ln>
+            </p:spPr>
+            <p:style>
+              <a:lnRef idx="1">
+                <a:schemeClr val="accent1"/>
+              </a:lnRef>
+              <a:fillRef idx="0">
+                <a:schemeClr val="accent1"/>
+              </a:fillRef>
+              <a:effectRef idx="0">
+                <a:schemeClr val="accent1"/>
+              </a:effectRef>
+              <a:fontRef idx="minor">
+                <a:schemeClr val="tx1"/>
+              </a:fontRef>
+            </p:style>
+          </p:cxnSp>
+          <p:cxnSp>
+            <p:nvCxnSpPr>
+              <p:cNvPr id="86" name="Straight Connector 85">
+                <a:extLst>
+                  <a:ext uri="{FF2B5EF4-FFF2-40B4-BE49-F238E27FC236}">
+                    <a16:creationId xmlns:a16="http://schemas.microsoft.com/office/drawing/2014/main" id="{D5E83DD8-7904-C2F7-4A2C-41A6B91598C1}"/>
+                  </a:ext>
+                </a:extLst>
+              </p:cNvPr>
+              <p:cNvCxnSpPr>
+                <a:cxnSpLocks/>
+              </p:cNvCxnSpPr>
+              <p:nvPr/>
+            </p:nvCxnSpPr>
+            <p:spPr>
+              <a:xfrm>
+                <a:off x="3848003" y="3026358"/>
+                <a:ext cx="303825" cy="433854"/>
+              </a:xfrm>
+              <a:prstGeom prst="line">
+                <a:avLst/>
+              </a:prstGeom>
+              <a:ln w="53975">
+                <a:solidFill>
+                  <a:schemeClr val="tx1"/>
+                </a:solidFill>
+              </a:ln>
+            </p:spPr>
+            <p:style>
+              <a:lnRef idx="1">
+                <a:schemeClr val="accent1"/>
+              </a:lnRef>
+              <a:fillRef idx="0">
+                <a:schemeClr val="accent1"/>
+              </a:fillRef>
+              <a:effectRef idx="0">
+                <a:schemeClr val="accent1"/>
+              </a:effectRef>
+              <a:fontRef idx="minor">
+                <a:schemeClr val="tx1"/>
+              </a:fontRef>
+            </p:style>
+          </p:cxnSp>
+        </p:grpSp>
+        <p:cxnSp>
+          <p:nvCxnSpPr>
+            <p:cNvPr id="2" name="Straight Connector 1">
+              <a:extLst>
+                <a:ext uri="{FF2B5EF4-FFF2-40B4-BE49-F238E27FC236}">
+                  <a16:creationId xmlns:a16="http://schemas.microsoft.com/office/drawing/2014/main" id="{74CD3868-F393-E22D-F1A2-3E2728A0C99A}"/>
+                </a:ext>
+              </a:extLst>
+            </p:cNvPr>
+            <p:cNvCxnSpPr>
+              <a:cxnSpLocks/>
+            </p:cNvCxnSpPr>
+            <p:nvPr/>
+          </p:nvCxnSpPr>
+          <p:spPr>
+            <a:xfrm>
+              <a:off x="1983591" y="4208015"/>
+              <a:ext cx="0" cy="241261"/>
+            </a:xfrm>
+            <a:prstGeom prst="line">
+              <a:avLst/>
+            </a:prstGeom>
+            <a:ln w="53975">
+              <a:solidFill>
+                <a:schemeClr val="tx1"/>
+              </a:solidFill>
+            </a:ln>
+          </p:spPr>
+          <p:style>
+            <a:lnRef idx="1">
+              <a:schemeClr val="accent1"/>
+            </a:lnRef>
+            <a:fillRef idx="0">
+              <a:schemeClr val="accent1"/>
+            </a:fillRef>
+            <a:effectRef idx="0">
+              <a:schemeClr val="accent1"/>
+            </a:effectRef>
+            <a:fontRef idx="minor">
+              <a:schemeClr val="tx1"/>
+            </a:fontRef>
+          </p:style>
+        </p:cxnSp>
+      </p:grpSp>
+    </p:spTree>
+    <p:extLst>
+      <p:ext uri="{BB962C8B-B14F-4D97-AF65-F5344CB8AC3E}">
+        <p14:creationId xmlns:p14="http://schemas.microsoft.com/office/powerpoint/2010/main" val="3650121888"/>
+      </p:ext>
+    </p:extLst>
+  </p:cSld>
+  <p:clrMapOvr>
+    <a:masterClrMapping/>
+  </p:clrMapOvr>
+</p:sld>
+</file>
+
+<file path=ppt/slides/slide3.xml><?xml version="1.0" encoding="utf-8"?>
+<p:sld xmlns:a="http://schemas.openxmlformats.org/drawingml/2006/main" xmlns:r="http://schemas.openxmlformats.org/officeDocument/2006/relationships" xmlns:p="http://schemas.openxmlformats.org/presentationml/2006/main">
+  <p:cSld>
+    <p:spTree>
+      <p:nvGrpSpPr>
         <p:cNvPr id="1" name=""/>
         <p:cNvGrpSpPr/>
         <p:nvPr/>
@@ -4140,7 +5336,7 @@
 </p:sld>
 </file>
 
-<file path=ppt/slides/slide3.xml><?xml version="1.0" encoding="utf-8"?>
+<file path=ppt/slides/slide4.xml><?xml version="1.0" encoding="utf-8"?>
 <p:sld xmlns:a="http://schemas.openxmlformats.org/drawingml/2006/main" xmlns:r="http://schemas.openxmlformats.org/officeDocument/2006/relationships" xmlns:p="http://schemas.openxmlformats.org/presentationml/2006/main">
   <p:cSld>
     <p:spTree>
@@ -4447,7 +5643,7 @@
 </p:sld>
 </file>
 
-<file path=ppt/slides/slide4.xml><?xml version="1.0" encoding="utf-8"?>
+<file path=ppt/slides/slide5.xml><?xml version="1.0" encoding="utf-8"?>
 <p:sld xmlns:a="http://schemas.openxmlformats.org/drawingml/2006/main" xmlns:r="http://schemas.openxmlformats.org/officeDocument/2006/relationships" xmlns:p="http://schemas.openxmlformats.org/presentationml/2006/main">
   <p:cSld>
     <p:spTree>
@@ -4721,7 +5917,7 @@
 </p:sld>
 </file>
 
-<file path=ppt/slides/slide5.xml><?xml version="1.0" encoding="utf-8"?>
+<file path=ppt/slides/slide6.xml><?xml version="1.0" encoding="utf-8"?>
 <p:sld xmlns:a="http://schemas.openxmlformats.org/drawingml/2006/main" xmlns:r="http://schemas.openxmlformats.org/officeDocument/2006/relationships" xmlns:p="http://schemas.openxmlformats.org/presentationml/2006/main">
   <p:cSld>
     <p:spTree>
@@ -5606,7 +6802,7 @@
 </p:sld>
 </file>
 
-<file path=ppt/slides/slide6.xml><?xml version="1.0" encoding="utf-8"?>
+<file path=ppt/slides/slide7.xml><?xml version="1.0" encoding="utf-8"?>
 <p:sld xmlns:a="http://schemas.openxmlformats.org/drawingml/2006/main" xmlns:r="http://schemas.openxmlformats.org/officeDocument/2006/relationships" xmlns:p="http://schemas.openxmlformats.org/presentationml/2006/main">
   <p:cSld>
     <p:spTree>
@@ -6497,7 +7693,7 @@
 </p:sld>
 </file>
 
-<file path=ppt/slides/slide7.xml><?xml version="1.0" encoding="utf-8"?>
+<file path=ppt/slides/slide8.xml><?xml version="1.0" encoding="utf-8"?>
 <p:sld xmlns:a="http://schemas.openxmlformats.org/drawingml/2006/main" xmlns:r="http://schemas.openxmlformats.org/officeDocument/2006/relationships" xmlns:p="http://schemas.openxmlformats.org/presentationml/2006/main">
   <p:cSld>
     <p:spTree>
@@ -7342,7 +8538,7 @@
 </p:sld>
 </file>
 
-<file path=ppt/slides/slide8.xml><?xml version="1.0" encoding="utf-8"?>
+<file path=ppt/slides/slide9.xml><?xml version="1.0" encoding="utf-8"?>
 <p:sld xmlns:a="http://schemas.openxmlformats.org/drawingml/2006/main" xmlns:r="http://schemas.openxmlformats.org/officeDocument/2006/relationships" xmlns:p="http://schemas.openxmlformats.org/presentationml/2006/main">
   <p:cSld>
     <p:spTree>
